--- a/UNDER DEVELOPMENT/OPAR Version 2/JESTER/SYTGT070_Syrian_Broadcasting_Headquarters.pptx
+++ b/UNDER DEVELOPMENT/OPAR Version 2/JESTER/SYTGT070_Syrian_Broadcasting_Headquarters.pptx
@@ -109,7 +109,7 @@
   </p:defaultTextStyle>
   <p:extLst>
     <p:ext uri="{EFAFB233-063F-42B5-8137-9DF3F51BA10A}">
-      <p15:sldGuideLst xmlns:p15="http://schemas.microsoft.com/office/powerpoint/2012/main">
+      <p15:sldGuideLst xmlns:p15="http://schemas.microsoft.com/office/powerpoint/2012/main" xmlns="">
         <p15:guide id="1" orient="horz" pos="1620">
           <p15:clr>
             <a:srgbClr val="A4A3A4"/>
@@ -209,7 +209,7 @@
             <a:fld id="{40637A30-8EE1-4060-9976-8832FC89EE34}" type="datetimeFigureOut">
               <a:rPr lang="nb-NO" smtClean="0"/>
               <a:pPr/>
-              <a:t>02.01.2022</a:t>
+              <a:t>09.06.2022</a:t>
             </a:fld>
             <a:endParaRPr lang="nb-NO"/>
           </a:p>
@@ -4534,7 +4534,7 @@
           </a:p>
           <a:p>
             <a:r>
-              <a:rPr lang="en-US" sz="1100"/>
+              <a:rPr lang="en-US" sz="1100" dirty="0"/>
               <a:t>SYTGT070</a:t>
             </a:r>
             <a:r>
@@ -4612,16 +4612,76 @@
               <a:t> – </a:t>
             </a:r>
             <a:r>
-              <a:rPr lang="en-GB" sz="1100" dirty="0"/>
-              <a:t>C</a:t>
-            </a:r>
-            <a:r>
-              <a:rPr lang="pl-PL" sz="1100" dirty="0"/>
-              <a:t>ontact to </a:t>
-            </a:r>
-            <a:r>
-              <a:rPr lang="nb-NO" sz="1100" dirty="0"/>
-              <a:t>engage primary communications equipment at the top of the building.</a:t>
+              <a:rPr lang="nb-NO" sz="1100" dirty="0" err="1" smtClean="0"/>
+              <a:t>Delayed</a:t>
+            </a:r>
+            <a:r>
+              <a:rPr lang="nb-NO" sz="1100" dirty="0" smtClean="0"/>
+              <a:t> </a:t>
+            </a:r>
+            <a:r>
+              <a:rPr lang="nb-NO" sz="1100" dirty="0" err="1" smtClean="0"/>
+              <a:t>fuzing</a:t>
+            </a:r>
+            <a:r>
+              <a:rPr lang="nb-NO" sz="1100" dirty="0" smtClean="0"/>
+              <a:t> to </a:t>
+            </a:r>
+            <a:r>
+              <a:rPr lang="nb-NO" sz="1100" dirty="0" err="1" smtClean="0"/>
+              <a:t>reach</a:t>
+            </a:r>
+            <a:r>
+              <a:rPr lang="nb-NO" sz="1100" dirty="0" smtClean="0"/>
+              <a:t> </a:t>
+            </a:r>
+            <a:r>
+              <a:rPr lang="nb-NO" sz="1100" dirty="0" err="1" smtClean="0"/>
+              <a:t>down</a:t>
+            </a:r>
+            <a:r>
+              <a:rPr lang="nb-NO" sz="1100" dirty="0" smtClean="0"/>
+              <a:t> </a:t>
+            </a:r>
+            <a:r>
+              <a:rPr lang="nb-NO" sz="1100" dirty="0" err="1" smtClean="0"/>
+              <a:t>into</a:t>
+            </a:r>
+            <a:r>
+              <a:rPr lang="nb-NO" sz="1100" dirty="0" smtClean="0"/>
+              <a:t> </a:t>
+            </a:r>
+            <a:r>
+              <a:rPr lang="nb-NO" sz="1100" dirty="0" err="1" smtClean="0"/>
+              <a:t>the</a:t>
+            </a:r>
+            <a:r>
+              <a:rPr lang="nb-NO" sz="1100" dirty="0" smtClean="0"/>
+              <a:t> </a:t>
+            </a:r>
+            <a:r>
+              <a:rPr lang="nb-NO" sz="1100" dirty="0" err="1" smtClean="0"/>
+              <a:t>building</a:t>
+            </a:r>
+            <a:r>
+              <a:rPr lang="nb-NO" sz="1100" dirty="0" smtClean="0"/>
+              <a:t>, 85 </a:t>
+            </a:r>
+            <a:r>
+              <a:rPr lang="nb-NO" sz="1100" dirty="0" err="1" smtClean="0"/>
+              <a:t>degree</a:t>
+            </a:r>
+            <a:r>
+              <a:rPr lang="nb-NO" sz="1100" dirty="0" smtClean="0"/>
+              <a:t> </a:t>
+            </a:r>
+            <a:r>
+              <a:rPr lang="nb-NO" sz="1100" dirty="0" err="1" smtClean="0"/>
+              <a:t>impact</a:t>
+            </a:r>
+            <a:r>
+              <a:rPr lang="nb-NO" sz="1100" smtClean="0"/>
+              <a:t> angle.</a:t>
             </a:r>
             <a:endParaRPr lang="pl-PL" sz="1100" dirty="0"/>
           </a:p>
